--- a/Tools_for_causal_discovery.pptx
+++ b/Tools_for_causal_discovery.pptx
@@ -5,10 +5,10 @@
     <p:sldMasterId id="2147483696" r:id="rId1"/>
   </p:sldMasterIdLst>
   <p:notesMasterIdLst>
-    <p:notesMasterId r:id="rId7"/>
+    <p:notesMasterId r:id="rId8"/>
   </p:notesMasterIdLst>
   <p:handoutMasterIdLst>
-    <p:handoutMasterId r:id="rId8"/>
+    <p:handoutMasterId r:id="rId9"/>
   </p:handoutMasterIdLst>
   <p:sldIdLst>
     <p:sldId id="256" r:id="rId2"/>
@@ -16,6 +16,7 @@
     <p:sldId id="258" r:id="rId4"/>
     <p:sldId id="303" r:id="rId5"/>
     <p:sldId id="304" r:id="rId6"/>
+    <p:sldId id="305" r:id="rId7"/>
   </p:sldIdLst>
   <p:sldSz cx="9144000" cy="5143500" type="screen16x9"/>
   <p:notesSz cx="6858000" cy="9144000"/>
@@ -180,7 +181,7 @@
 <file path=ppt/revisionInfo.xml><?xml version="1.0" encoding="utf-8"?>
 <p1510:revInfo xmlns:a="http://schemas.openxmlformats.org/drawingml/2006/main" xmlns:r="http://schemas.openxmlformats.org/officeDocument/2006/relationships" xmlns:p1510="http://schemas.microsoft.com/office/powerpoint/2015/10/main">
   <p1510:revLst>
-    <p1510:client id="{384F05B3-0818-46BB-B8FE-D5F8DFAD2784}" v="35" dt="2023-06-19T19:33:15.266"/>
+    <p1510:client id="{384F05B3-0818-46BB-B8FE-D5F8DFAD2784}" v="43" dt="2023-06-20T00:22:43.074"/>
   </p1510:revLst>
 </p1510:revInfo>
 </file>
@@ -190,12 +191,12 @@
   <pc:docChgLst>
     <pc:chgData name="Montero Hernandez, Samuel A" userId="307b1ca1-b588-4506-ad4e-8588c9406299" providerId="ADAL" clId="{384F05B3-0818-46BB-B8FE-D5F8DFAD2784}"/>
     <pc:docChg chg="undo custSel addSld delSld modSld sldOrd modMainMaster">
-      <pc:chgData name="Montero Hernandez, Samuel A" userId="307b1ca1-b588-4506-ad4e-8588c9406299" providerId="ADAL" clId="{384F05B3-0818-46BB-B8FE-D5F8DFAD2784}" dt="2023-06-19T19:35:57.544" v="993" actId="2711"/>
+      <pc:chgData name="Montero Hernandez, Samuel A" userId="307b1ca1-b588-4506-ad4e-8588c9406299" providerId="ADAL" clId="{384F05B3-0818-46BB-B8FE-D5F8DFAD2784}" dt="2023-06-20T00:22:52.839" v="1169" actId="20577"/>
       <pc:docMkLst>
         <pc:docMk/>
       </pc:docMkLst>
       <pc:sldChg chg="addSp delSp modSp mod">
-        <pc:chgData name="Montero Hernandez, Samuel A" userId="307b1ca1-b588-4506-ad4e-8588c9406299" providerId="ADAL" clId="{384F05B3-0818-46BB-B8FE-D5F8DFAD2784}" dt="2023-06-17T22:46:13.506" v="73" actId="20577"/>
+        <pc:chgData name="Montero Hernandez, Samuel A" userId="307b1ca1-b588-4506-ad4e-8588c9406299" providerId="ADAL" clId="{384F05B3-0818-46BB-B8FE-D5F8DFAD2784}" dt="2023-06-20T00:22:52.839" v="1169" actId="20577"/>
         <pc:sldMkLst>
           <pc:docMk/>
           <pc:sldMk cId="0" sldId="256"/>
@@ -209,7 +210,7 @@
           </ac:spMkLst>
         </pc:spChg>
         <pc:spChg chg="mod">
-          <ac:chgData name="Montero Hernandez, Samuel A" userId="307b1ca1-b588-4506-ad4e-8588c9406299" providerId="ADAL" clId="{384F05B3-0818-46BB-B8FE-D5F8DFAD2784}" dt="2023-06-17T22:46:13.506" v="73" actId="20577"/>
+          <ac:chgData name="Montero Hernandez, Samuel A" userId="307b1ca1-b588-4506-ad4e-8588c9406299" providerId="ADAL" clId="{384F05B3-0818-46BB-B8FE-D5F8DFAD2784}" dt="2023-06-20T00:22:52.839" v="1169" actId="20577"/>
           <ac:spMkLst>
             <pc:docMk/>
             <pc:sldMk cId="0" sldId="256"/>
@@ -632,6 +633,29 @@
             <ac:picMk id="5" creationId="{9D9BB65D-6CBE-8F9D-1354-52E7A55C30A2}"/>
           </ac:picMkLst>
         </pc:picChg>
+      </pc:sldChg>
+      <pc:sldChg chg="modSp new mod">
+        <pc:chgData name="Montero Hernandez, Samuel A" userId="307b1ca1-b588-4506-ad4e-8588c9406299" providerId="ADAL" clId="{384F05B3-0818-46BB-B8FE-D5F8DFAD2784}" dt="2023-06-20T00:22:20.583" v="1119" actId="255"/>
+        <pc:sldMkLst>
+          <pc:docMk/>
+          <pc:sldMk cId="4285416080" sldId="305"/>
+        </pc:sldMkLst>
+        <pc:spChg chg="mod">
+          <ac:chgData name="Montero Hernandez, Samuel A" userId="307b1ca1-b588-4506-ad4e-8588c9406299" providerId="ADAL" clId="{384F05B3-0818-46BB-B8FE-D5F8DFAD2784}" dt="2023-06-20T00:21:51.627" v="1115" actId="20577"/>
+          <ac:spMkLst>
+            <pc:docMk/>
+            <pc:sldMk cId="4285416080" sldId="305"/>
+            <ac:spMk id="2" creationId="{34039F59-3A75-F124-FBD9-24E64A986845}"/>
+          </ac:spMkLst>
+        </pc:spChg>
+        <pc:spChg chg="mod">
+          <ac:chgData name="Montero Hernandez, Samuel A" userId="307b1ca1-b588-4506-ad4e-8588c9406299" providerId="ADAL" clId="{384F05B3-0818-46BB-B8FE-D5F8DFAD2784}" dt="2023-06-20T00:22:20.583" v="1119" actId="255"/>
+          <ac:spMkLst>
+            <pc:docMk/>
+            <pc:sldMk cId="4285416080" sldId="305"/>
+            <ac:spMk id="3" creationId="{4A038683-21A1-3B78-157D-EBB36A5705CE}"/>
+          </ac:spMkLst>
+        </pc:spChg>
       </pc:sldChg>
       <pc:sldMasterChg chg="addSp delSp modSp mod">
         <pc:chgData name="Montero Hernandez, Samuel A" userId="307b1ca1-b588-4506-ad4e-8588c9406299" providerId="ADAL" clId="{384F05B3-0818-46BB-B8FE-D5F8DFAD2784}" dt="2023-06-19T19:35:57.544" v="993" actId="2711"/>
@@ -6654,6 +6678,17 @@
           <a:p>
             <a:pPr eaLnBrk="1" hangingPunct="1"/>
             <a:r>
+              <a:rPr lang="it-IT" altLang="en-US"/>
+              <a:t>smontero</a:t>
+            </a:r>
+            <a:r>
+              <a:rPr lang="it-IT" altLang="en-US" dirty="0"/>
+              <a:t>@bu.edu</a:t>
+            </a:r>
+          </a:p>
+          <a:p>
+            <a:pPr eaLnBrk="1" hangingPunct="1"/>
+            <a:r>
               <a:rPr lang="it-IT" altLang="en-US" dirty="0"/>
               <a:t>June 19th, 2023</a:t>
             </a:r>
@@ -7809,6 +7844,367 @@
     <p:extLst>
       <p:ext uri="{BB962C8B-B14F-4D97-AF65-F5344CB8AC3E}">
         <p14:creationId xmlns:p14="http://schemas.microsoft.com/office/powerpoint/2010/main" val="581835581"/>
+      </p:ext>
+    </p:extLst>
+  </p:cSld>
+  <p:clrMapOvr>
+    <a:masterClrMapping/>
+  </p:clrMapOvr>
+</p:sld>
+</file>
+
+<file path=ppt/slides/slide6.xml><?xml version="1.0" encoding="utf-8"?>
+<p:sld xmlns:a="http://schemas.openxmlformats.org/drawingml/2006/main" xmlns:r="http://schemas.openxmlformats.org/officeDocument/2006/relationships" xmlns:p="http://schemas.openxmlformats.org/presentationml/2006/main">
+  <p:cSld>
+    <p:spTree>
+      <p:nvGrpSpPr>
+        <p:cNvPr id="1" name=""/>
+        <p:cNvGrpSpPr/>
+        <p:nvPr/>
+      </p:nvGrpSpPr>
+      <p:grpSpPr>
+        <a:xfrm>
+          <a:off x="0" y="0"/>
+          <a:ext cx="0" cy="0"/>
+          <a:chOff x="0" y="0"/>
+          <a:chExt cx="0" cy="0"/>
+        </a:xfrm>
+      </p:grpSpPr>
+      <p:sp>
+        <p:nvSpPr>
+          <p:cNvPr id="2" name="Title 1">
+            <a:extLst>
+              <a:ext uri="{FF2B5EF4-FFF2-40B4-BE49-F238E27FC236}">
+                <a16:creationId xmlns:a16="http://schemas.microsoft.com/office/drawing/2014/main" id="{34039F59-3A75-F124-FBD9-24E64A986845}"/>
+              </a:ext>
+            </a:extLst>
+          </p:cNvPr>
+          <p:cNvSpPr>
+            <a:spLocks noGrp="1"/>
+          </p:cNvSpPr>
+          <p:nvPr>
+            <p:ph type="title"/>
+          </p:nvPr>
+        </p:nvSpPr>
+        <p:spPr/>
+        <p:txBody>
+          <a:bodyPr/>
+          <a:lstStyle/>
+          <a:p>
+            <a:r>
+              <a:rPr lang="en-US" dirty="0"/>
+              <a:t>We need to install and load the following packages by running the following code in </a:t>
+            </a:r>
+            <a:r>
+              <a:rPr lang="en-US" dirty="0" err="1"/>
+              <a:t>Rstudio</a:t>
+            </a:r>
+            <a:endParaRPr lang="en-US" dirty="0"/>
+          </a:p>
+        </p:txBody>
+      </p:sp>
+      <p:sp>
+        <p:nvSpPr>
+          <p:cNvPr id="3" name="Content Placeholder 2">
+            <a:extLst>
+              <a:ext uri="{FF2B5EF4-FFF2-40B4-BE49-F238E27FC236}">
+                <a16:creationId xmlns:a16="http://schemas.microsoft.com/office/drawing/2014/main" id="{4A038683-21A1-3B78-157D-EBB36A5705CE}"/>
+              </a:ext>
+            </a:extLst>
+          </p:cNvPr>
+          <p:cNvSpPr>
+            <a:spLocks noGrp="1"/>
+          </p:cNvSpPr>
+          <p:nvPr>
+            <p:ph idx="1"/>
+          </p:nvPr>
+        </p:nvSpPr>
+        <p:spPr>
+          <a:xfrm>
+            <a:off x="628650" y="1352550"/>
+            <a:ext cx="7886700" cy="3657600"/>
+          </a:xfrm>
+        </p:spPr>
+        <p:txBody>
+          <a:bodyPr/>
+          <a:lstStyle/>
+          <a:p>
+            <a:pPr marL="0" indent="0">
+              <a:buNone/>
+            </a:pPr>
+            <a:r>
+              <a:rPr lang="en-US" sz="1300" dirty="0" err="1">
+                <a:latin typeface="Lucida Console" panose="020B0609040504020204" pitchFamily="49" charset="0"/>
+              </a:rPr>
+              <a:t>install.packages</a:t>
+            </a:r>
+            <a:r>
+              <a:rPr lang="en-US" sz="1300" dirty="0">
+                <a:latin typeface="Lucida Console" panose="020B0609040504020204" pitchFamily="49" charset="0"/>
+              </a:rPr>
+              <a:t>("</a:t>
+            </a:r>
+            <a:r>
+              <a:rPr lang="en-US" sz="1300" dirty="0" err="1">
+                <a:latin typeface="Lucida Console" panose="020B0609040504020204" pitchFamily="49" charset="0"/>
+              </a:rPr>
+              <a:t>BiocManager</a:t>
+            </a:r>
+            <a:r>
+              <a:rPr lang="en-US" sz="1300" dirty="0">
+                <a:latin typeface="Lucida Console" panose="020B0609040504020204" pitchFamily="49" charset="0"/>
+              </a:rPr>
+              <a:t>")</a:t>
+            </a:r>
+          </a:p>
+          <a:p>
+            <a:pPr marL="0" indent="0">
+              <a:buNone/>
+            </a:pPr>
+            <a:endParaRPr lang="en-US" sz="1300" dirty="0">
+              <a:latin typeface="Lucida Console" panose="020B0609040504020204" pitchFamily="49" charset="0"/>
+            </a:endParaRPr>
+          </a:p>
+          <a:p>
+            <a:pPr marL="0" indent="0">
+              <a:buNone/>
+            </a:pPr>
+            <a:r>
+              <a:rPr lang="en-US" sz="1300" dirty="0" err="1">
+                <a:latin typeface="Lucida Console" panose="020B0609040504020204" pitchFamily="49" charset="0"/>
+              </a:rPr>
+              <a:t>BiocManager</a:t>
+            </a:r>
+            <a:r>
+              <a:rPr lang="en-US" sz="1300" dirty="0">
+                <a:latin typeface="Lucida Console" panose="020B0609040504020204" pitchFamily="49" charset="0"/>
+              </a:rPr>
+              <a:t>::install("</a:t>
+            </a:r>
+            <a:r>
+              <a:rPr lang="en-US" sz="1300" dirty="0" err="1">
+                <a:latin typeface="Lucida Console" panose="020B0609040504020204" pitchFamily="49" charset="0"/>
+              </a:rPr>
+              <a:t>Rgraphviz</a:t>
+            </a:r>
+            <a:r>
+              <a:rPr lang="en-US" sz="1300" dirty="0">
+                <a:latin typeface="Lucida Console" panose="020B0609040504020204" pitchFamily="49" charset="0"/>
+              </a:rPr>
+              <a:t>")</a:t>
+            </a:r>
+          </a:p>
+          <a:p>
+            <a:pPr marL="0" indent="0">
+              <a:buNone/>
+            </a:pPr>
+            <a:r>
+              <a:rPr lang="en-US" sz="1300" dirty="0" err="1">
+                <a:latin typeface="Lucida Console" panose="020B0609040504020204" pitchFamily="49" charset="0"/>
+              </a:rPr>
+              <a:t>BiocManager</a:t>
+            </a:r>
+            <a:r>
+              <a:rPr lang="en-US" sz="1300" dirty="0">
+                <a:latin typeface="Lucida Console" panose="020B0609040504020204" pitchFamily="49" charset="0"/>
+              </a:rPr>
+              <a:t>::install("graph")</a:t>
+            </a:r>
+          </a:p>
+          <a:p>
+            <a:pPr marL="0" indent="0">
+              <a:buNone/>
+            </a:pPr>
+            <a:r>
+              <a:rPr lang="en-US" sz="1300" dirty="0" err="1">
+                <a:latin typeface="Lucida Console" panose="020B0609040504020204" pitchFamily="49" charset="0"/>
+              </a:rPr>
+              <a:t>BiocManager</a:t>
+            </a:r>
+            <a:r>
+              <a:rPr lang="en-US" sz="1300" dirty="0">
+                <a:latin typeface="Lucida Console" panose="020B0609040504020204" pitchFamily="49" charset="0"/>
+              </a:rPr>
+              <a:t>::install("RBGL")</a:t>
+            </a:r>
+          </a:p>
+          <a:p>
+            <a:pPr marL="0" indent="0">
+              <a:buNone/>
+            </a:pPr>
+            <a:endParaRPr lang="en-US" sz="1300" dirty="0">
+              <a:latin typeface="Lucida Console" panose="020B0609040504020204" pitchFamily="49" charset="0"/>
+            </a:endParaRPr>
+          </a:p>
+          <a:p>
+            <a:pPr marL="0" indent="0">
+              <a:buNone/>
+            </a:pPr>
+            <a:r>
+              <a:rPr lang="en-US" sz="1300" dirty="0" err="1">
+                <a:latin typeface="Lucida Console" panose="020B0609040504020204" pitchFamily="49" charset="0"/>
+              </a:rPr>
+              <a:t>install.packages</a:t>
+            </a:r>
+            <a:r>
+              <a:rPr lang="en-US" sz="1300" dirty="0">
+                <a:latin typeface="Lucida Console" panose="020B0609040504020204" pitchFamily="49" charset="0"/>
+              </a:rPr>
+              <a:t>("</a:t>
+            </a:r>
+            <a:r>
+              <a:rPr lang="en-US" sz="1300" dirty="0" err="1">
+                <a:latin typeface="Lucida Console" panose="020B0609040504020204" pitchFamily="49" charset="0"/>
+              </a:rPr>
+              <a:t>fastICA</a:t>
+            </a:r>
+            <a:r>
+              <a:rPr lang="en-US" sz="1300" dirty="0">
+                <a:latin typeface="Lucida Console" panose="020B0609040504020204" pitchFamily="49" charset="0"/>
+              </a:rPr>
+              <a:t>",dependencies = TRUE)</a:t>
+            </a:r>
+          </a:p>
+          <a:p>
+            <a:pPr marL="0" indent="0">
+              <a:buNone/>
+            </a:pPr>
+            <a:r>
+              <a:rPr lang="en-US" sz="1300" dirty="0" err="1">
+                <a:latin typeface="Lucida Console" panose="020B0609040504020204" pitchFamily="49" charset="0"/>
+              </a:rPr>
+              <a:t>install.packages</a:t>
+            </a:r>
+            <a:r>
+              <a:rPr lang="en-US" sz="1300" dirty="0">
+                <a:latin typeface="Lucida Console" panose="020B0609040504020204" pitchFamily="49" charset="0"/>
+              </a:rPr>
+              <a:t>("</a:t>
+            </a:r>
+            <a:r>
+              <a:rPr lang="en-US" sz="1300" dirty="0" err="1">
+                <a:latin typeface="Lucida Console" panose="020B0609040504020204" pitchFamily="49" charset="0"/>
+              </a:rPr>
+              <a:t>pcalg</a:t>
+            </a:r>
+            <a:r>
+              <a:rPr lang="en-US" sz="1300" dirty="0">
+                <a:latin typeface="Lucida Console" panose="020B0609040504020204" pitchFamily="49" charset="0"/>
+              </a:rPr>
+              <a:t>",dependencies = TRUE)</a:t>
+            </a:r>
+          </a:p>
+          <a:p>
+            <a:pPr marL="0" indent="0">
+              <a:buNone/>
+            </a:pPr>
+            <a:r>
+              <a:rPr lang="en-US" sz="1300" dirty="0">
+                <a:latin typeface="Lucida Console" panose="020B0609040504020204" pitchFamily="49" charset="0"/>
+              </a:rPr>
+              <a:t>library(</a:t>
+            </a:r>
+            <a:r>
+              <a:rPr lang="en-US" sz="1300" dirty="0" err="1">
+                <a:latin typeface="Lucida Console" panose="020B0609040504020204" pitchFamily="49" charset="0"/>
+              </a:rPr>
+              <a:t>pcalg</a:t>
+            </a:r>
+            <a:r>
+              <a:rPr lang="en-US" sz="1300" dirty="0">
+                <a:latin typeface="Lucida Console" panose="020B0609040504020204" pitchFamily="49" charset="0"/>
+              </a:rPr>
+              <a:t>)</a:t>
+            </a:r>
+          </a:p>
+          <a:p>
+            <a:pPr marL="0" indent="0">
+              <a:buNone/>
+            </a:pPr>
+            <a:r>
+              <a:rPr lang="en-US" sz="1300" dirty="0">
+                <a:latin typeface="Lucida Console" panose="020B0609040504020204" pitchFamily="49" charset="0"/>
+              </a:rPr>
+              <a:t>library(graph)</a:t>
+            </a:r>
+          </a:p>
+          <a:p>
+            <a:pPr marL="0" indent="0">
+              <a:buNone/>
+            </a:pPr>
+            <a:r>
+              <a:rPr lang="en-US" sz="1300" dirty="0">
+                <a:latin typeface="Lucida Console" panose="020B0609040504020204" pitchFamily="49" charset="0"/>
+              </a:rPr>
+              <a:t>library(</a:t>
+            </a:r>
+            <a:r>
+              <a:rPr lang="en-US" sz="1300" dirty="0" err="1">
+                <a:latin typeface="Lucida Console" panose="020B0609040504020204" pitchFamily="49" charset="0"/>
+              </a:rPr>
+              <a:t>Rgraphviz</a:t>
+            </a:r>
+            <a:r>
+              <a:rPr lang="en-US" sz="1300" dirty="0">
+                <a:latin typeface="Lucida Console" panose="020B0609040504020204" pitchFamily="49" charset="0"/>
+              </a:rPr>
+              <a:t>)</a:t>
+            </a:r>
+          </a:p>
+          <a:p>
+            <a:pPr marL="0" indent="0">
+              <a:buNone/>
+            </a:pPr>
+            <a:r>
+              <a:rPr lang="en-US" sz="1300" dirty="0">
+                <a:latin typeface="Lucida Console" panose="020B0609040504020204" pitchFamily="49" charset="0"/>
+              </a:rPr>
+              <a:t>library(RBGL)</a:t>
+            </a:r>
+          </a:p>
+          <a:p>
+            <a:pPr marL="0" indent="0">
+              <a:buNone/>
+            </a:pPr>
+            <a:endParaRPr lang="en-US" sz="1300" dirty="0">
+              <a:latin typeface="Lucida Console" panose="020B0609040504020204" pitchFamily="49" charset="0"/>
+            </a:endParaRPr>
+          </a:p>
+        </p:txBody>
+      </p:sp>
+      <p:sp>
+        <p:nvSpPr>
+          <p:cNvPr id="4" name="Slide Number Placeholder 3">
+            <a:extLst>
+              <a:ext uri="{FF2B5EF4-FFF2-40B4-BE49-F238E27FC236}">
+                <a16:creationId xmlns:a16="http://schemas.microsoft.com/office/drawing/2014/main" id="{ED593E57-F0D3-4748-035F-B1CE5FD8F0C0}"/>
+              </a:ext>
+            </a:extLst>
+          </p:cNvPr>
+          <p:cNvSpPr>
+            <a:spLocks noGrp="1"/>
+          </p:cNvSpPr>
+          <p:nvPr>
+            <p:ph type="sldNum" sz="quarter" idx="12"/>
+          </p:nvPr>
+        </p:nvSpPr>
+        <p:spPr/>
+        <p:txBody>
+          <a:bodyPr/>
+          <a:lstStyle/>
+          <a:p>
+            <a:fld id="{1062BDD5-A065-4573-A6F3-1AD1B47529B6}" type="slidenum">
+              <a:rPr lang="en-US" smtClean="0"/>
+              <a:t>6</a:t>
+            </a:fld>
+            <a:endParaRPr lang="en-US"/>
+          </a:p>
+        </p:txBody>
+      </p:sp>
+    </p:spTree>
+    <p:extLst>
+      <p:ext uri="{BB962C8B-B14F-4D97-AF65-F5344CB8AC3E}">
+        <p14:creationId xmlns:p14="http://schemas.microsoft.com/office/powerpoint/2010/main" val="4285416080"/>
       </p:ext>
     </p:extLst>
   </p:cSld>
